--- a/lectures/m1SoftwareArchitectureIntro.pptx
+++ b/lectures/m1SoftwareArchitectureIntro.pptx
@@ -335,14 +335,14 @@
           <a:effectLst/>
           <a:extLst>
             <a:ext uri="{909E8E84-426E-40dd-AFC4-6F175D3DCCD1}">
-              <a14:hiddenFill xmlns:a14="http://schemas.microsoft.com/office/drawing/2010/main" xmlns="">
+              <a14:hiddenFill xmlns="" xmlns:a14="http://schemas.microsoft.com/office/drawing/2010/main">
                 <a:solidFill>
                   <a:srgbClr val="FFFFFF"/>
                 </a:solidFill>
               </a14:hiddenFill>
             </a:ext>
             <a:ext uri="{91240B29-F687-4f45-9708-019B960494DF}">
-              <a14:hiddenLine xmlns:a14="http://schemas.microsoft.com/office/drawing/2010/main" xmlns="" w="12700">
+              <a14:hiddenLine xmlns="" xmlns:a14="http://schemas.microsoft.com/office/drawing/2010/main" w="12700">
                 <a:solidFill>
                   <a:srgbClr val="000000"/>
                 </a:solidFill>
@@ -352,7 +352,7 @@
               </a14:hiddenLine>
             </a:ext>
             <a:ext uri="{AF507438-7753-43e0-B8FC-AC1667EBCBE1}">
-              <a14:hiddenEffects xmlns:a14="http://schemas.microsoft.com/office/drawing/2010/main" xmlns="">
+              <a14:hiddenEffects xmlns="" xmlns:a14="http://schemas.microsoft.com/office/drawing/2010/main">
                 <a:effectLst>
                   <a:outerShdw dist="35921" dir="2700000" algn="ctr" rotWithShape="0">
                     <a:srgbClr val="808080"/>
@@ -361,7 +361,7 @@
               </a14:hiddenEffects>
             </a:ext>
             <a:ext uri="{53640926-AAD7-44d8-BBD7-CCE9431645EC}">
-              <a14:shadowObscured xmlns:a14="http://schemas.microsoft.com/office/drawing/2010/main" xmlns="" val="1"/>
+              <a14:shadowObscured xmlns="" xmlns:a14="http://schemas.microsoft.com/office/drawing/2010/main" val="1"/>
             </a:ext>
           </a:extLst>
         </p:spPr>
@@ -553,14 +553,14 @@
           <a:ln/>
           <a:extLst>
             <a:ext uri="{909E8E84-426E-40dd-AFC4-6F175D3DCCD1}">
-              <a14:hiddenFill xmlns="" xmlns:a14="http://schemas.microsoft.com/office/drawing/2010/main">
+              <a14:hiddenFill xmlns:a14="http://schemas.microsoft.com/office/drawing/2010/main" xmlns="">
                 <a:solidFill>
                   <a:srgbClr val="FFFFFF"/>
                 </a:solidFill>
               </a14:hiddenFill>
             </a:ext>
             <a:ext uri="{91240B29-F687-4f45-9708-019B960494DF}">
-              <a14:hiddenLine xmlns="" xmlns:a14="http://schemas.microsoft.com/office/drawing/2010/main" w="9525">
+              <a14:hiddenLine xmlns:a14="http://schemas.microsoft.com/office/drawing/2010/main" xmlns="" w="9525">
                 <a:solidFill>
                   <a:srgbClr val="000000"/>
                 </a:solidFill>
@@ -744,7 +744,7 @@
           </a:ln>
           <a:extLst>
             <a:ext uri="{FAA26D3D-D897-4be2-8F04-BA451C77F1D7}">
-              <ma14:placeholderFlag xmlns="" xmlns:ma14="http://schemas.microsoft.com/office/mac/drawingml/2011/main" val="1"/>
+              <ma14:placeholderFlag xmlns:ma14="http://schemas.microsoft.com/office/mac/drawingml/2011/main" xmlns="" val="1"/>
             </a:ext>
           </a:extLst>
         </p:spPr>
@@ -806,14 +806,14 @@
           <a:ln/>
           <a:extLst>
             <a:ext uri="{909E8E84-426E-40dd-AFC4-6F175D3DCCD1}">
-              <a14:hiddenFill xmlns="" xmlns:a14="http://schemas.microsoft.com/office/drawing/2010/main">
+              <a14:hiddenFill xmlns:a14="http://schemas.microsoft.com/office/drawing/2010/main" xmlns="">
                 <a:solidFill>
                   <a:srgbClr val="FFFFFF"/>
                 </a:solidFill>
               </a14:hiddenFill>
             </a:ext>
             <a:ext uri="{91240B29-F687-4f45-9708-019B960494DF}">
-              <a14:hiddenLine xmlns="" xmlns:a14="http://schemas.microsoft.com/office/drawing/2010/main" w="9525">
+              <a14:hiddenLine xmlns:a14="http://schemas.microsoft.com/office/drawing/2010/main" xmlns="" w="9525">
                 <a:solidFill>
                   <a:srgbClr val="000000"/>
                 </a:solidFill>
@@ -984,14 +984,14 @@
           <a:ln/>
           <a:extLst>
             <a:ext uri="{909E8E84-426E-40dd-AFC4-6F175D3DCCD1}">
-              <a14:hiddenFill xmlns="" xmlns:a14="http://schemas.microsoft.com/office/drawing/2010/main">
+              <a14:hiddenFill xmlns:a14="http://schemas.microsoft.com/office/drawing/2010/main" xmlns="">
                 <a:solidFill>
                   <a:srgbClr val="FFFFFF"/>
                 </a:solidFill>
               </a14:hiddenFill>
             </a:ext>
             <a:ext uri="{91240B29-F687-4f45-9708-019B960494DF}">
-              <a14:hiddenLine xmlns="" xmlns:a14="http://schemas.microsoft.com/office/drawing/2010/main" w="9525">
+              <a14:hiddenLine xmlns:a14="http://schemas.microsoft.com/office/drawing/2010/main" xmlns="" w="9525">
                 <a:solidFill>
                   <a:srgbClr val="000000"/>
                 </a:solidFill>
@@ -1001,7 +1001,7 @@
               </a14:hiddenLine>
             </a:ext>
             <a:ext uri="{FAA26D3D-D897-4be2-8F04-BA451C77F1D7}">
-              <ma14:placeholderFlag xmlns="" xmlns:ma14="http://schemas.microsoft.com/office/mac/drawingml/2011/main" val="1"/>
+              <ma14:placeholderFlag xmlns:ma14="http://schemas.microsoft.com/office/mac/drawingml/2011/main" xmlns="" val="1"/>
             </a:ext>
           </a:extLst>
         </p:spPr>
@@ -1063,14 +1063,14 @@
           <a:ln/>
           <a:extLst>
             <a:ext uri="{909E8E84-426E-40dd-AFC4-6F175D3DCCD1}">
-              <a14:hiddenFill xmlns="" xmlns:a14="http://schemas.microsoft.com/office/drawing/2010/main">
+              <a14:hiddenFill xmlns:a14="http://schemas.microsoft.com/office/drawing/2010/main" xmlns="">
                 <a:solidFill>
                   <a:srgbClr val="FFFFFF"/>
                 </a:solidFill>
               </a14:hiddenFill>
             </a:ext>
             <a:ext uri="{91240B29-F687-4f45-9708-019B960494DF}">
-              <a14:hiddenLine xmlns="" xmlns:a14="http://schemas.microsoft.com/office/drawing/2010/main" w="9525">
+              <a14:hiddenLine xmlns:a14="http://schemas.microsoft.com/office/drawing/2010/main" xmlns="" w="9525">
                 <a:solidFill>
                   <a:srgbClr val="000000"/>
                 </a:solidFill>
@@ -1241,14 +1241,14 @@
           <a:ln/>
           <a:extLst>
             <a:ext uri="{909E8E84-426E-40dd-AFC4-6F175D3DCCD1}">
-              <a14:hiddenFill xmlns="" xmlns:a14="http://schemas.microsoft.com/office/drawing/2010/main">
+              <a14:hiddenFill xmlns:a14="http://schemas.microsoft.com/office/drawing/2010/main" xmlns="">
                 <a:solidFill>
                   <a:srgbClr val="FFFFFF"/>
                 </a:solidFill>
               </a14:hiddenFill>
             </a:ext>
             <a:ext uri="{91240B29-F687-4f45-9708-019B960494DF}">
-              <a14:hiddenLine xmlns="" xmlns:a14="http://schemas.microsoft.com/office/drawing/2010/main" w="9525">
+              <a14:hiddenLine xmlns:a14="http://schemas.microsoft.com/office/drawing/2010/main" xmlns="" w="9525">
                 <a:solidFill>
                   <a:srgbClr val="000000"/>
                 </a:solidFill>
@@ -1258,7 +1258,7 @@
               </a14:hiddenLine>
             </a:ext>
             <a:ext uri="{FAA26D3D-D897-4be2-8F04-BA451C77F1D7}">
-              <ma14:placeholderFlag xmlns="" xmlns:ma14="http://schemas.microsoft.com/office/mac/drawingml/2011/main" val="1"/>
+              <ma14:placeholderFlag xmlns:ma14="http://schemas.microsoft.com/office/mac/drawingml/2011/main" xmlns="" val="1"/>
             </a:ext>
           </a:extLst>
         </p:spPr>
@@ -1320,14 +1320,14 @@
           <a:ln/>
           <a:extLst>
             <a:ext uri="{909E8E84-426E-40dd-AFC4-6F175D3DCCD1}">
-              <a14:hiddenFill xmlns="" xmlns:a14="http://schemas.microsoft.com/office/drawing/2010/main">
+              <a14:hiddenFill xmlns:a14="http://schemas.microsoft.com/office/drawing/2010/main" xmlns="">
                 <a:solidFill>
                   <a:srgbClr val="FFFFFF"/>
                 </a:solidFill>
               </a14:hiddenFill>
             </a:ext>
             <a:ext uri="{91240B29-F687-4f45-9708-019B960494DF}">
-              <a14:hiddenLine xmlns="" xmlns:a14="http://schemas.microsoft.com/office/drawing/2010/main" w="9525">
+              <a14:hiddenLine xmlns:a14="http://schemas.microsoft.com/office/drawing/2010/main" xmlns="" w="9525">
                 <a:solidFill>
                   <a:srgbClr val="000000"/>
                 </a:solidFill>
@@ -1498,14 +1498,14 @@
           <a:ln/>
           <a:extLst>
             <a:ext uri="{909E8E84-426E-40dd-AFC4-6F175D3DCCD1}">
-              <a14:hiddenFill xmlns="" xmlns:a14="http://schemas.microsoft.com/office/drawing/2010/main">
+              <a14:hiddenFill xmlns:a14="http://schemas.microsoft.com/office/drawing/2010/main" xmlns="">
                 <a:solidFill>
                   <a:srgbClr val="FFFFFF"/>
                 </a:solidFill>
               </a14:hiddenFill>
             </a:ext>
             <a:ext uri="{91240B29-F687-4f45-9708-019B960494DF}">
-              <a14:hiddenLine xmlns="" xmlns:a14="http://schemas.microsoft.com/office/drawing/2010/main" w="9525">
+              <a14:hiddenLine xmlns:a14="http://schemas.microsoft.com/office/drawing/2010/main" xmlns="" w="9525">
                 <a:solidFill>
                   <a:srgbClr val="000000"/>
                 </a:solidFill>
@@ -1515,7 +1515,7 @@
               </a14:hiddenLine>
             </a:ext>
             <a:ext uri="{FAA26D3D-D897-4be2-8F04-BA451C77F1D7}">
-              <ma14:placeholderFlag xmlns="" xmlns:ma14="http://schemas.microsoft.com/office/mac/drawingml/2011/main" val="1"/>
+              <ma14:placeholderFlag xmlns:ma14="http://schemas.microsoft.com/office/mac/drawingml/2011/main" xmlns="" val="1"/>
             </a:ext>
           </a:extLst>
         </p:spPr>
@@ -1577,14 +1577,14 @@
           <a:ln/>
           <a:extLst>
             <a:ext uri="{909E8E84-426E-40dd-AFC4-6F175D3DCCD1}">
-              <a14:hiddenFill xmlns="" xmlns:a14="http://schemas.microsoft.com/office/drawing/2010/main">
+              <a14:hiddenFill xmlns:a14="http://schemas.microsoft.com/office/drawing/2010/main" xmlns="">
                 <a:solidFill>
                   <a:srgbClr val="FFFFFF"/>
                 </a:solidFill>
               </a14:hiddenFill>
             </a:ext>
             <a:ext uri="{91240B29-F687-4f45-9708-019B960494DF}">
-              <a14:hiddenLine xmlns="" xmlns:a14="http://schemas.microsoft.com/office/drawing/2010/main" w="9525">
+              <a14:hiddenLine xmlns:a14="http://schemas.microsoft.com/office/drawing/2010/main" xmlns="" w="9525">
                 <a:solidFill>
                   <a:srgbClr val="000000"/>
                 </a:solidFill>
@@ -1755,14 +1755,14 @@
           <a:ln/>
           <a:extLst>
             <a:ext uri="{909E8E84-426E-40dd-AFC4-6F175D3DCCD1}">
-              <a14:hiddenFill xmlns="" xmlns:a14="http://schemas.microsoft.com/office/drawing/2010/main">
+              <a14:hiddenFill xmlns:a14="http://schemas.microsoft.com/office/drawing/2010/main" xmlns="">
                 <a:solidFill>
                   <a:srgbClr val="FFFFFF"/>
                 </a:solidFill>
               </a14:hiddenFill>
             </a:ext>
             <a:ext uri="{91240B29-F687-4f45-9708-019B960494DF}">
-              <a14:hiddenLine xmlns="" xmlns:a14="http://schemas.microsoft.com/office/drawing/2010/main" w="9525">
+              <a14:hiddenLine xmlns:a14="http://schemas.microsoft.com/office/drawing/2010/main" xmlns="" w="9525">
                 <a:solidFill>
                   <a:srgbClr val="000000"/>
                 </a:solidFill>
@@ -1772,7 +1772,7 @@
               </a14:hiddenLine>
             </a:ext>
             <a:ext uri="{FAA26D3D-D897-4be2-8F04-BA451C77F1D7}">
-              <ma14:placeholderFlag xmlns="" xmlns:ma14="http://schemas.microsoft.com/office/mac/drawingml/2011/main" val="1"/>
+              <ma14:placeholderFlag xmlns:ma14="http://schemas.microsoft.com/office/mac/drawingml/2011/main" xmlns="" val="1"/>
             </a:ext>
           </a:extLst>
         </p:spPr>
@@ -1834,14 +1834,14 @@
           <a:ln/>
           <a:extLst>
             <a:ext uri="{909E8E84-426E-40dd-AFC4-6F175D3DCCD1}">
-              <a14:hiddenFill xmlns="" xmlns:a14="http://schemas.microsoft.com/office/drawing/2010/main">
+              <a14:hiddenFill xmlns:a14="http://schemas.microsoft.com/office/drawing/2010/main" xmlns="">
                 <a:solidFill>
                   <a:srgbClr val="FFFFFF"/>
                 </a:solidFill>
               </a14:hiddenFill>
             </a:ext>
             <a:ext uri="{91240B29-F687-4f45-9708-019B960494DF}">
-              <a14:hiddenLine xmlns="" xmlns:a14="http://schemas.microsoft.com/office/drawing/2010/main" w="9525">
+              <a14:hiddenLine xmlns:a14="http://schemas.microsoft.com/office/drawing/2010/main" xmlns="" w="9525">
                 <a:solidFill>
                   <a:srgbClr val="000000"/>
                 </a:solidFill>
@@ -2012,14 +2012,14 @@
           <a:ln/>
           <a:extLst>
             <a:ext uri="{909E8E84-426E-40dd-AFC4-6F175D3DCCD1}">
-              <a14:hiddenFill xmlns="" xmlns:a14="http://schemas.microsoft.com/office/drawing/2010/main">
+              <a14:hiddenFill xmlns:a14="http://schemas.microsoft.com/office/drawing/2010/main" xmlns="">
                 <a:solidFill>
                   <a:srgbClr val="FFFFFF"/>
                 </a:solidFill>
               </a14:hiddenFill>
             </a:ext>
             <a:ext uri="{91240B29-F687-4f45-9708-019B960494DF}">
-              <a14:hiddenLine xmlns="" xmlns:a14="http://schemas.microsoft.com/office/drawing/2010/main" w="9525">
+              <a14:hiddenLine xmlns:a14="http://schemas.microsoft.com/office/drawing/2010/main" xmlns="" w="9525">
                 <a:solidFill>
                   <a:srgbClr val="000000"/>
                 </a:solidFill>
@@ -2029,7 +2029,7 @@
               </a14:hiddenLine>
             </a:ext>
             <a:ext uri="{FAA26D3D-D897-4be2-8F04-BA451C77F1D7}">
-              <ma14:placeholderFlag xmlns="" xmlns:ma14="http://schemas.microsoft.com/office/mac/drawingml/2011/main" val="1"/>
+              <ma14:placeholderFlag xmlns:ma14="http://schemas.microsoft.com/office/mac/drawingml/2011/main" xmlns="" val="1"/>
             </a:ext>
           </a:extLst>
         </p:spPr>
@@ -2091,14 +2091,14 @@
           <a:ln/>
           <a:extLst>
             <a:ext uri="{909E8E84-426E-40dd-AFC4-6F175D3DCCD1}">
-              <a14:hiddenFill xmlns="" xmlns:a14="http://schemas.microsoft.com/office/drawing/2010/main">
+              <a14:hiddenFill xmlns:a14="http://schemas.microsoft.com/office/drawing/2010/main" xmlns="">
                 <a:solidFill>
                   <a:srgbClr val="FFFFFF"/>
                 </a:solidFill>
               </a14:hiddenFill>
             </a:ext>
             <a:ext uri="{91240B29-F687-4f45-9708-019B960494DF}">
-              <a14:hiddenLine xmlns="" xmlns:a14="http://schemas.microsoft.com/office/drawing/2010/main" w="9525">
+              <a14:hiddenLine xmlns:a14="http://schemas.microsoft.com/office/drawing/2010/main" xmlns="" w="9525">
                 <a:solidFill>
                   <a:srgbClr val="000000"/>
                 </a:solidFill>
@@ -2269,14 +2269,14 @@
           <a:ln/>
           <a:extLst>
             <a:ext uri="{909E8E84-426E-40dd-AFC4-6F175D3DCCD1}">
-              <a14:hiddenFill xmlns="" xmlns:a14="http://schemas.microsoft.com/office/drawing/2010/main">
+              <a14:hiddenFill xmlns:a14="http://schemas.microsoft.com/office/drawing/2010/main" xmlns="">
                 <a:solidFill>
                   <a:srgbClr val="FFFFFF"/>
                 </a:solidFill>
               </a14:hiddenFill>
             </a:ext>
             <a:ext uri="{91240B29-F687-4f45-9708-019B960494DF}">
-              <a14:hiddenLine xmlns="" xmlns:a14="http://schemas.microsoft.com/office/drawing/2010/main" w="9525">
+              <a14:hiddenLine xmlns:a14="http://schemas.microsoft.com/office/drawing/2010/main" xmlns="" w="9525">
                 <a:solidFill>
                   <a:srgbClr val="000000"/>
                 </a:solidFill>
@@ -2286,7 +2286,7 @@
               </a14:hiddenLine>
             </a:ext>
             <a:ext uri="{FAA26D3D-D897-4be2-8F04-BA451C77F1D7}">
-              <ma14:placeholderFlag xmlns="" xmlns:ma14="http://schemas.microsoft.com/office/mac/drawingml/2011/main" val="1"/>
+              <ma14:placeholderFlag xmlns:ma14="http://schemas.microsoft.com/office/mac/drawingml/2011/main" xmlns="" val="1"/>
             </a:ext>
           </a:extLst>
         </p:spPr>
@@ -2348,14 +2348,14 @@
           <a:ln/>
           <a:extLst>
             <a:ext uri="{909E8E84-426E-40dd-AFC4-6F175D3DCCD1}">
-              <a14:hiddenFill xmlns="" xmlns:a14="http://schemas.microsoft.com/office/drawing/2010/main">
+              <a14:hiddenFill xmlns:a14="http://schemas.microsoft.com/office/drawing/2010/main" xmlns="">
                 <a:solidFill>
                   <a:srgbClr val="FFFFFF"/>
                 </a:solidFill>
               </a14:hiddenFill>
             </a:ext>
             <a:ext uri="{91240B29-F687-4f45-9708-019B960494DF}">
-              <a14:hiddenLine xmlns="" xmlns:a14="http://schemas.microsoft.com/office/drawing/2010/main" w="9525">
+              <a14:hiddenLine xmlns:a14="http://schemas.microsoft.com/office/drawing/2010/main" xmlns="" w="9525">
                 <a:solidFill>
                   <a:srgbClr val="000000"/>
                 </a:solidFill>
@@ -2526,14 +2526,14 @@
           <a:ln/>
           <a:extLst>
             <a:ext uri="{909E8E84-426E-40dd-AFC4-6F175D3DCCD1}">
-              <a14:hiddenFill xmlns="" xmlns:a14="http://schemas.microsoft.com/office/drawing/2010/main">
+              <a14:hiddenFill xmlns:a14="http://schemas.microsoft.com/office/drawing/2010/main" xmlns="">
                 <a:solidFill>
                   <a:srgbClr val="FFFFFF"/>
                 </a:solidFill>
               </a14:hiddenFill>
             </a:ext>
             <a:ext uri="{91240B29-F687-4f45-9708-019B960494DF}">
-              <a14:hiddenLine xmlns="" xmlns:a14="http://schemas.microsoft.com/office/drawing/2010/main" w="9525">
+              <a14:hiddenLine xmlns:a14="http://schemas.microsoft.com/office/drawing/2010/main" xmlns="" w="9525">
                 <a:solidFill>
                   <a:srgbClr val="000000"/>
                 </a:solidFill>
@@ -2543,7 +2543,7 @@
               </a14:hiddenLine>
             </a:ext>
             <a:ext uri="{FAA26D3D-D897-4be2-8F04-BA451C77F1D7}">
-              <ma14:placeholderFlag xmlns="" xmlns:ma14="http://schemas.microsoft.com/office/mac/drawingml/2011/main" val="1"/>
+              <ma14:placeholderFlag xmlns:ma14="http://schemas.microsoft.com/office/mac/drawingml/2011/main" xmlns="" val="1"/>
             </a:ext>
           </a:extLst>
         </p:spPr>
@@ -2605,14 +2605,14 @@
           <a:ln/>
           <a:extLst>
             <a:ext uri="{909E8E84-426E-40dd-AFC4-6F175D3DCCD1}">
-              <a14:hiddenFill xmlns="" xmlns:a14="http://schemas.microsoft.com/office/drawing/2010/main">
+              <a14:hiddenFill xmlns:a14="http://schemas.microsoft.com/office/drawing/2010/main" xmlns="">
                 <a:solidFill>
                   <a:srgbClr val="FFFFFF"/>
                 </a:solidFill>
               </a14:hiddenFill>
             </a:ext>
             <a:ext uri="{91240B29-F687-4f45-9708-019B960494DF}">
-              <a14:hiddenLine xmlns="" xmlns:a14="http://schemas.microsoft.com/office/drawing/2010/main" w="9525">
+              <a14:hiddenLine xmlns:a14="http://schemas.microsoft.com/office/drawing/2010/main" xmlns="" w="9525">
                 <a:solidFill>
                   <a:srgbClr val="000000"/>
                 </a:solidFill>
@@ -2783,14 +2783,14 @@
           <a:ln/>
           <a:extLst>
             <a:ext uri="{909E8E84-426E-40dd-AFC4-6F175D3DCCD1}">
-              <a14:hiddenFill xmlns="" xmlns:a14="http://schemas.microsoft.com/office/drawing/2010/main">
+              <a14:hiddenFill xmlns:a14="http://schemas.microsoft.com/office/drawing/2010/main" xmlns="">
                 <a:solidFill>
                   <a:srgbClr val="FFFFFF"/>
                 </a:solidFill>
               </a14:hiddenFill>
             </a:ext>
             <a:ext uri="{91240B29-F687-4f45-9708-019B960494DF}">
-              <a14:hiddenLine xmlns="" xmlns:a14="http://schemas.microsoft.com/office/drawing/2010/main" w="9525">
+              <a14:hiddenLine xmlns:a14="http://schemas.microsoft.com/office/drawing/2010/main" xmlns="" w="9525">
                 <a:solidFill>
                   <a:srgbClr val="000000"/>
                 </a:solidFill>
@@ -2800,7 +2800,7 @@
               </a14:hiddenLine>
             </a:ext>
             <a:ext uri="{FAA26D3D-D897-4be2-8F04-BA451C77F1D7}">
-              <ma14:placeholderFlag xmlns="" xmlns:ma14="http://schemas.microsoft.com/office/mac/drawingml/2011/main" val="1"/>
+              <ma14:placeholderFlag xmlns:ma14="http://schemas.microsoft.com/office/mac/drawingml/2011/main" xmlns="" val="1"/>
             </a:ext>
           </a:extLst>
         </p:spPr>
@@ -2862,14 +2862,14 @@
           <a:ln/>
           <a:extLst>
             <a:ext uri="{909E8E84-426E-40dd-AFC4-6F175D3DCCD1}">
-              <a14:hiddenFill xmlns="" xmlns:a14="http://schemas.microsoft.com/office/drawing/2010/main">
+              <a14:hiddenFill xmlns:a14="http://schemas.microsoft.com/office/drawing/2010/main" xmlns="">
                 <a:solidFill>
                   <a:srgbClr val="FFFFFF"/>
                 </a:solidFill>
               </a14:hiddenFill>
             </a:ext>
             <a:ext uri="{91240B29-F687-4f45-9708-019B960494DF}">
-              <a14:hiddenLine xmlns="" xmlns:a14="http://schemas.microsoft.com/office/drawing/2010/main" w="9525">
+              <a14:hiddenLine xmlns:a14="http://schemas.microsoft.com/office/drawing/2010/main" xmlns="" w="9525">
                 <a:solidFill>
                   <a:srgbClr val="000000"/>
                 </a:solidFill>
@@ -3040,14 +3040,14 @@
           <a:ln/>
           <a:extLst>
             <a:ext uri="{909E8E84-426E-40dd-AFC4-6F175D3DCCD1}">
-              <a14:hiddenFill xmlns="" xmlns:a14="http://schemas.microsoft.com/office/drawing/2010/main">
+              <a14:hiddenFill xmlns:a14="http://schemas.microsoft.com/office/drawing/2010/main" xmlns="">
                 <a:solidFill>
                   <a:srgbClr val="FFFFFF"/>
                 </a:solidFill>
               </a14:hiddenFill>
             </a:ext>
             <a:ext uri="{91240B29-F687-4f45-9708-019B960494DF}">
-              <a14:hiddenLine xmlns="" xmlns:a14="http://schemas.microsoft.com/office/drawing/2010/main" w="9525">
+              <a14:hiddenLine xmlns:a14="http://schemas.microsoft.com/office/drawing/2010/main" xmlns="" w="9525">
                 <a:solidFill>
                   <a:srgbClr val="000000"/>
                 </a:solidFill>
@@ -3057,7 +3057,7 @@
               </a14:hiddenLine>
             </a:ext>
             <a:ext uri="{FAA26D3D-D897-4be2-8F04-BA451C77F1D7}">
-              <ma14:placeholderFlag xmlns="" xmlns:ma14="http://schemas.microsoft.com/office/mac/drawingml/2011/main" val="1"/>
+              <ma14:placeholderFlag xmlns:ma14="http://schemas.microsoft.com/office/mac/drawingml/2011/main" xmlns="" val="1"/>
             </a:ext>
           </a:extLst>
         </p:spPr>
@@ -3119,14 +3119,14 @@
           <a:ln/>
           <a:extLst>
             <a:ext uri="{909E8E84-426E-40dd-AFC4-6F175D3DCCD1}">
-              <a14:hiddenFill xmlns="" xmlns:a14="http://schemas.microsoft.com/office/drawing/2010/main">
+              <a14:hiddenFill xmlns:a14="http://schemas.microsoft.com/office/drawing/2010/main" xmlns="">
                 <a:solidFill>
                   <a:srgbClr val="FFFFFF"/>
                 </a:solidFill>
               </a14:hiddenFill>
             </a:ext>
             <a:ext uri="{91240B29-F687-4f45-9708-019B960494DF}">
-              <a14:hiddenLine xmlns="" xmlns:a14="http://schemas.microsoft.com/office/drawing/2010/main" w="9525">
+              <a14:hiddenLine xmlns:a14="http://schemas.microsoft.com/office/drawing/2010/main" xmlns="" w="9525">
                 <a:solidFill>
                   <a:srgbClr val="000000"/>
                 </a:solidFill>
@@ -3297,14 +3297,14 @@
           <a:ln/>
           <a:extLst>
             <a:ext uri="{909E8E84-426E-40dd-AFC4-6F175D3DCCD1}">
-              <a14:hiddenFill xmlns="" xmlns:a14="http://schemas.microsoft.com/office/drawing/2010/main">
+              <a14:hiddenFill xmlns:a14="http://schemas.microsoft.com/office/drawing/2010/main" xmlns="">
                 <a:solidFill>
                   <a:srgbClr val="FFFFFF"/>
                 </a:solidFill>
               </a14:hiddenFill>
             </a:ext>
             <a:ext uri="{91240B29-F687-4f45-9708-019B960494DF}">
-              <a14:hiddenLine xmlns="" xmlns:a14="http://schemas.microsoft.com/office/drawing/2010/main" w="9525">
+              <a14:hiddenLine xmlns:a14="http://schemas.microsoft.com/office/drawing/2010/main" xmlns="" w="9525">
                 <a:solidFill>
                   <a:srgbClr val="000000"/>
                 </a:solidFill>
@@ -3314,7 +3314,7 @@
               </a14:hiddenLine>
             </a:ext>
             <a:ext uri="{FAA26D3D-D897-4be2-8F04-BA451C77F1D7}">
-              <ma14:placeholderFlag xmlns="" xmlns:ma14="http://schemas.microsoft.com/office/mac/drawingml/2011/main" val="1"/>
+              <ma14:placeholderFlag xmlns:ma14="http://schemas.microsoft.com/office/mac/drawingml/2011/main" xmlns="" val="1"/>
             </a:ext>
           </a:extLst>
         </p:spPr>
@@ -3376,14 +3376,14 @@
           <a:ln/>
           <a:extLst>
             <a:ext uri="{909E8E84-426E-40dd-AFC4-6F175D3DCCD1}">
-              <a14:hiddenFill xmlns="" xmlns:a14="http://schemas.microsoft.com/office/drawing/2010/main">
+              <a14:hiddenFill xmlns:a14="http://schemas.microsoft.com/office/drawing/2010/main" xmlns="">
                 <a:solidFill>
                   <a:srgbClr val="FFFFFF"/>
                 </a:solidFill>
               </a14:hiddenFill>
             </a:ext>
             <a:ext uri="{91240B29-F687-4f45-9708-019B960494DF}">
-              <a14:hiddenLine xmlns="" xmlns:a14="http://schemas.microsoft.com/office/drawing/2010/main" w="9525">
+              <a14:hiddenLine xmlns:a14="http://schemas.microsoft.com/office/drawing/2010/main" xmlns="" w="9525">
                 <a:solidFill>
                   <a:srgbClr val="000000"/>
                 </a:solidFill>
@@ -3554,14 +3554,14 @@
           <a:ln/>
           <a:extLst>
             <a:ext uri="{909E8E84-426E-40dd-AFC4-6F175D3DCCD1}">
-              <a14:hiddenFill xmlns="" xmlns:a14="http://schemas.microsoft.com/office/drawing/2010/main">
+              <a14:hiddenFill xmlns:a14="http://schemas.microsoft.com/office/drawing/2010/main" xmlns="">
                 <a:solidFill>
                   <a:srgbClr val="FFFFFF"/>
                 </a:solidFill>
               </a14:hiddenFill>
             </a:ext>
             <a:ext uri="{91240B29-F687-4f45-9708-019B960494DF}">
-              <a14:hiddenLine xmlns="" xmlns:a14="http://schemas.microsoft.com/office/drawing/2010/main" w="9525">
+              <a14:hiddenLine xmlns:a14="http://schemas.microsoft.com/office/drawing/2010/main" xmlns="" w="9525">
                 <a:solidFill>
                   <a:srgbClr val="000000"/>
                 </a:solidFill>
@@ -3571,7 +3571,7 @@
               </a14:hiddenLine>
             </a:ext>
             <a:ext uri="{FAA26D3D-D897-4be2-8F04-BA451C77F1D7}">
-              <ma14:placeholderFlag xmlns="" xmlns:ma14="http://schemas.microsoft.com/office/mac/drawingml/2011/main" val="1"/>
+              <ma14:placeholderFlag xmlns:ma14="http://schemas.microsoft.com/office/mac/drawingml/2011/main" xmlns="" val="1"/>
             </a:ext>
           </a:extLst>
         </p:spPr>
@@ -3633,14 +3633,14 @@
           <a:ln/>
           <a:extLst>
             <a:ext uri="{909E8E84-426E-40dd-AFC4-6F175D3DCCD1}">
-              <a14:hiddenFill xmlns="" xmlns:a14="http://schemas.microsoft.com/office/drawing/2010/main">
+              <a14:hiddenFill xmlns:a14="http://schemas.microsoft.com/office/drawing/2010/main" xmlns="">
                 <a:solidFill>
                   <a:srgbClr val="FFFFFF"/>
                 </a:solidFill>
               </a14:hiddenFill>
             </a:ext>
             <a:ext uri="{91240B29-F687-4f45-9708-019B960494DF}">
-              <a14:hiddenLine xmlns="" xmlns:a14="http://schemas.microsoft.com/office/drawing/2010/main" w="9525">
+              <a14:hiddenLine xmlns:a14="http://schemas.microsoft.com/office/drawing/2010/main" xmlns="" w="9525">
                 <a:solidFill>
                   <a:srgbClr val="000000"/>
                 </a:solidFill>
@@ -3811,14 +3811,14 @@
           <a:ln/>
           <a:extLst>
             <a:ext uri="{909E8E84-426E-40dd-AFC4-6F175D3DCCD1}">
-              <a14:hiddenFill xmlns="" xmlns:a14="http://schemas.microsoft.com/office/drawing/2010/main">
+              <a14:hiddenFill xmlns:a14="http://schemas.microsoft.com/office/drawing/2010/main" xmlns="">
                 <a:solidFill>
                   <a:srgbClr val="FFFFFF"/>
                 </a:solidFill>
               </a14:hiddenFill>
             </a:ext>
             <a:ext uri="{91240B29-F687-4f45-9708-019B960494DF}">
-              <a14:hiddenLine xmlns="" xmlns:a14="http://schemas.microsoft.com/office/drawing/2010/main" w="9525">
+              <a14:hiddenLine xmlns:a14="http://schemas.microsoft.com/office/drawing/2010/main" xmlns="" w="9525">
                 <a:solidFill>
                   <a:srgbClr val="000000"/>
                 </a:solidFill>
@@ -3828,7 +3828,7 @@
               </a14:hiddenLine>
             </a:ext>
             <a:ext uri="{FAA26D3D-D897-4be2-8F04-BA451C77F1D7}">
-              <ma14:placeholderFlag xmlns="" xmlns:ma14="http://schemas.microsoft.com/office/mac/drawingml/2011/main" val="1"/>
+              <ma14:placeholderFlag xmlns:ma14="http://schemas.microsoft.com/office/mac/drawingml/2011/main" xmlns="" val="1"/>
             </a:ext>
           </a:extLst>
         </p:spPr>
@@ -4061,7 +4061,7 @@
               <a:pPr>
                 <a:defRPr/>
               </a:pPr>
-              <a:t>3/27/23</a:t>
+              <a:t>4/5/23</a:t>
             </a:fld>
             <a:endParaRPr lang="en-US">
               <a:solidFill>
@@ -4286,7 +4286,7 @@
               <a:pPr>
                 <a:defRPr/>
               </a:pPr>
-              <a:t>3/27/23</a:t>
+              <a:t>4/5/23</a:t>
             </a:fld>
             <a:endParaRPr lang="en-US">
               <a:solidFill>
@@ -4521,7 +4521,7 @@
               <a:pPr>
                 <a:defRPr/>
               </a:pPr>
-              <a:t>3/27/23</a:t>
+              <a:t>4/5/23</a:t>
             </a:fld>
             <a:endParaRPr lang="en-US">
               <a:solidFill>
@@ -4868,7 +4868,7 @@
             </a:pPr>
             <a:fld id="{37780F11-1880-CD47-AED4-961A43E2C21D}" type="datetime1">
               <a:rPr lang="en-US" smtClean="0"/>
-              <a:t>3/27/23</a:t>
+              <a:t>4/5/23</a:t>
             </a:fld>
             <a:endParaRPr lang="en-US"/>
           </a:p>
@@ -5058,7 +5058,7 @@
               <a:pPr>
                 <a:defRPr/>
               </a:pPr>
-              <a:t>3/27/23</a:t>
+              <a:t>4/5/23</a:t>
             </a:fld>
             <a:endParaRPr lang="en-US" dirty="0">
               <a:solidFill>
@@ -5352,7 +5352,7 @@
               <a:pPr>
                 <a:defRPr/>
               </a:pPr>
-              <a:t>3/27/23</a:t>
+              <a:t>4/5/23</a:t>
             </a:fld>
             <a:endParaRPr lang="en-US">
               <a:solidFill>
@@ -5694,7 +5694,7 @@
               <a:pPr>
                 <a:defRPr/>
               </a:pPr>
-              <a:t>3/27/23</a:t>
+              <a:t>4/5/23</a:t>
             </a:fld>
             <a:endParaRPr lang="en-US">
               <a:solidFill>
@@ -6170,7 +6170,7 @@
               <a:pPr>
                 <a:defRPr/>
               </a:pPr>
-              <a:t>3/27/23</a:t>
+              <a:t>4/5/23</a:t>
             </a:fld>
             <a:endParaRPr lang="en-US">
               <a:solidFill>
@@ -6344,7 +6344,7 @@
               <a:pPr>
                 <a:defRPr/>
               </a:pPr>
-              <a:t>3/27/23</a:t>
+              <a:t>4/5/23</a:t>
             </a:fld>
             <a:endParaRPr lang="en-US">
               <a:solidFill>
@@ -6496,7 +6496,7 @@
               <a:pPr>
                 <a:defRPr/>
               </a:pPr>
-              <a:t>3/27/23</a:t>
+              <a:t>4/5/23</a:t>
             </a:fld>
             <a:endParaRPr lang="en-US">
               <a:solidFill>
@@ -6828,7 +6828,7 @@
               <a:pPr>
                 <a:defRPr/>
               </a:pPr>
-              <a:t>3/27/23</a:t>
+              <a:t>4/5/23</a:t>
             </a:fld>
             <a:endParaRPr lang="en-US">
               <a:solidFill>
@@ -7140,7 +7140,7 @@
               <a:pPr>
                 <a:defRPr/>
               </a:pPr>
-              <a:t>3/27/23</a:t>
+              <a:t>4/5/23</a:t>
             </a:fld>
             <a:endParaRPr lang="en-US">
               <a:solidFill>
@@ -7288,14 +7288,14 @@
           </a:ln>
           <a:extLst>
             <a:ext uri="{909E8E84-426E-40dd-AFC4-6F175D3DCCD1}">
-              <a14:hiddenFill xmlns:a14="http://schemas.microsoft.com/office/drawing/2010/main" xmlns="">
+              <a14:hiddenFill xmlns="" xmlns:a14="http://schemas.microsoft.com/office/drawing/2010/main">
                 <a:solidFill>
                   <a:srgbClr val="FFFFFF"/>
                 </a:solidFill>
               </a14:hiddenFill>
             </a:ext>
             <a:ext uri="{91240B29-F687-4f45-9708-019B960494DF}">
-              <a14:hiddenLine xmlns:a14="http://schemas.microsoft.com/office/drawing/2010/main" xmlns="" w="9525">
+              <a14:hiddenLine xmlns="" xmlns:a14="http://schemas.microsoft.com/office/drawing/2010/main" w="9525">
                 <a:solidFill>
                   <a:srgbClr val="000000"/>
                 </a:solidFill>
@@ -7346,14 +7346,14 @@
           </a:ln>
           <a:extLst>
             <a:ext uri="{909E8E84-426E-40dd-AFC4-6F175D3DCCD1}">
-              <a14:hiddenFill xmlns:a14="http://schemas.microsoft.com/office/drawing/2010/main" xmlns="">
+              <a14:hiddenFill xmlns="" xmlns:a14="http://schemas.microsoft.com/office/drawing/2010/main">
                 <a:solidFill>
                   <a:srgbClr val="FFFFFF"/>
                 </a:solidFill>
               </a14:hiddenFill>
             </a:ext>
             <a:ext uri="{91240B29-F687-4f45-9708-019B960494DF}">
-              <a14:hiddenLine xmlns:a14="http://schemas.microsoft.com/office/drawing/2010/main" xmlns="" w="9525">
+              <a14:hiddenLine xmlns="" xmlns:a14="http://schemas.microsoft.com/office/drawing/2010/main" w="9525">
                 <a:solidFill>
                   <a:srgbClr val="000000"/>
                 </a:solidFill>
@@ -7455,7 +7455,7 @@
               <a:pPr>
                 <a:defRPr/>
               </a:pPr>
-              <a:t>3/27/23</a:t>
+              <a:t>4/5/23</a:t>
             </a:fld>
             <a:endParaRPr lang="en-US">
               <a:solidFill>
@@ -8011,7 +8011,7 @@
           </a:xfrm>
           <a:extLst>
             <a:ext uri="{91240B29-F687-4f45-9708-019B960494DF}">
-              <a14:hiddenLine xmlns:a14="http://schemas.microsoft.com/office/drawing/2010/main" xmlns="" w="12700">
+              <a14:hiddenLine xmlns="" xmlns:a14="http://schemas.microsoft.com/office/drawing/2010/main" w="12700">
                 <a:solidFill>
                   <a:schemeClr val="tx1"/>
                 </a:solidFill>
@@ -9541,14 +9541,14 @@
           <a:effectLst/>
           <a:extLst>
             <a:ext uri="{909E8E84-426E-40dd-AFC4-6F175D3DCCD1}">
-              <a14:hiddenFill xmlns:a14="http://schemas.microsoft.com/office/drawing/2010/main" xmlns="">
+              <a14:hiddenFill xmlns="" xmlns:a14="http://schemas.microsoft.com/office/drawing/2010/main">
                 <a:solidFill>
                   <a:schemeClr val="accent1"/>
                 </a:solidFill>
               </a14:hiddenFill>
             </a:ext>
             <a:ext uri="{91240B29-F687-4f45-9708-019B960494DF}">
-              <a14:hiddenLine xmlns:a14="http://schemas.microsoft.com/office/drawing/2010/main" xmlns="" w="9525">
+              <a14:hiddenLine xmlns="" xmlns:a14="http://schemas.microsoft.com/office/drawing/2010/main" w="9525">
                 <a:solidFill>
                   <a:schemeClr val="tx1"/>
                 </a:solidFill>
@@ -9558,7 +9558,7 @@
               </a14:hiddenLine>
             </a:ext>
             <a:ext uri="{AF507438-7753-43e0-B8FC-AC1667EBCBE1}">
-              <a14:hiddenEffects xmlns:a14="http://schemas.microsoft.com/office/drawing/2010/main" xmlns="">
+              <a14:hiddenEffects xmlns="" xmlns:a14="http://schemas.microsoft.com/office/drawing/2010/main">
                 <a:effectLst>
                   <a:outerShdw blurRad="63500" dist="38099" dir="2700000" algn="ctr" rotWithShape="0">
                     <a:schemeClr val="bg2">
@@ -9614,14 +9614,14 @@
           <a:effectLst/>
           <a:extLst>
             <a:ext uri="{909E8E84-426E-40dd-AFC4-6F175D3DCCD1}">
-              <a14:hiddenFill xmlns:a14="http://schemas.microsoft.com/office/drawing/2010/main" xmlns="">
+              <a14:hiddenFill xmlns="" xmlns:a14="http://schemas.microsoft.com/office/drawing/2010/main">
                 <a:solidFill>
                   <a:schemeClr val="accent1"/>
                 </a:solidFill>
               </a14:hiddenFill>
             </a:ext>
             <a:ext uri="{91240B29-F687-4f45-9708-019B960494DF}">
-              <a14:hiddenLine xmlns:a14="http://schemas.microsoft.com/office/drawing/2010/main" xmlns="" w="9525">
+              <a14:hiddenLine xmlns="" xmlns:a14="http://schemas.microsoft.com/office/drawing/2010/main" w="9525">
                 <a:solidFill>
                   <a:schemeClr val="tx1"/>
                 </a:solidFill>
@@ -9631,7 +9631,7 @@
               </a14:hiddenLine>
             </a:ext>
             <a:ext uri="{AF507438-7753-43e0-B8FC-AC1667EBCBE1}">
-              <a14:hiddenEffects xmlns:a14="http://schemas.microsoft.com/office/drawing/2010/main" xmlns="">
+              <a14:hiddenEffects xmlns="" xmlns:a14="http://schemas.microsoft.com/office/drawing/2010/main">
                 <a:effectLst>
                   <a:outerShdw blurRad="63500" dist="38099" dir="2700000" algn="ctr" rotWithShape="0">
                     <a:schemeClr val="bg2">
@@ -9686,14 +9686,14 @@
           </a:ln>
           <a:extLst>
             <a:ext uri="{909E8E84-426E-40dd-AFC4-6F175D3DCCD1}">
-              <a14:hiddenFill xmlns:a14="http://schemas.microsoft.com/office/drawing/2010/main" xmlns="">
+              <a14:hiddenFill xmlns="" xmlns:a14="http://schemas.microsoft.com/office/drawing/2010/main">
                 <a:solidFill>
                   <a:srgbClr val="FFFFFF"/>
                 </a:solidFill>
               </a14:hiddenFill>
             </a:ext>
             <a:ext uri="{91240B29-F687-4f45-9708-019B960494DF}">
-              <a14:hiddenLine xmlns:a14="http://schemas.microsoft.com/office/drawing/2010/main" xmlns="" w="9525">
+              <a14:hiddenLine xmlns="" xmlns:a14="http://schemas.microsoft.com/office/drawing/2010/main" w="9525">
                 <a:solidFill>
                   <a:srgbClr val="000000"/>
                 </a:solidFill>
@@ -10095,14 +10095,14 @@
           <a:effectLst/>
           <a:extLst>
             <a:ext uri="{909E8E84-426E-40dd-AFC4-6F175D3DCCD1}">
-              <a14:hiddenFill xmlns:a14="http://schemas.microsoft.com/office/drawing/2010/main" xmlns="">
+              <a14:hiddenFill xmlns="" xmlns:a14="http://schemas.microsoft.com/office/drawing/2010/main">
                 <a:solidFill>
                   <a:schemeClr val="accent1"/>
                 </a:solidFill>
               </a14:hiddenFill>
             </a:ext>
             <a:ext uri="{91240B29-F687-4f45-9708-019B960494DF}">
-              <a14:hiddenLine xmlns:a14="http://schemas.microsoft.com/office/drawing/2010/main" xmlns="" w="9525">
+              <a14:hiddenLine xmlns="" xmlns:a14="http://schemas.microsoft.com/office/drawing/2010/main" w="9525">
                 <a:solidFill>
                   <a:schemeClr val="tx1"/>
                 </a:solidFill>
@@ -10112,7 +10112,7 @@
               </a14:hiddenLine>
             </a:ext>
             <a:ext uri="{AF507438-7753-43e0-B8FC-AC1667EBCBE1}">
-              <a14:hiddenEffects xmlns:a14="http://schemas.microsoft.com/office/drawing/2010/main" xmlns="">
+              <a14:hiddenEffects xmlns="" xmlns:a14="http://schemas.microsoft.com/office/drawing/2010/main">
                 <a:effectLst>
                   <a:outerShdw blurRad="63500" dist="38099" dir="2700000" algn="ctr" rotWithShape="0">
                     <a:schemeClr val="bg2">
@@ -10168,14 +10168,14 @@
           <a:effectLst/>
           <a:extLst>
             <a:ext uri="{909E8E84-426E-40dd-AFC4-6F175D3DCCD1}">
-              <a14:hiddenFill xmlns:a14="http://schemas.microsoft.com/office/drawing/2010/main" xmlns="">
+              <a14:hiddenFill xmlns="" xmlns:a14="http://schemas.microsoft.com/office/drawing/2010/main">
                 <a:solidFill>
                   <a:schemeClr val="accent1"/>
                 </a:solidFill>
               </a14:hiddenFill>
             </a:ext>
             <a:ext uri="{91240B29-F687-4f45-9708-019B960494DF}">
-              <a14:hiddenLine xmlns:a14="http://schemas.microsoft.com/office/drawing/2010/main" xmlns="" w="9525">
+              <a14:hiddenLine xmlns="" xmlns:a14="http://schemas.microsoft.com/office/drawing/2010/main" w="9525">
                 <a:solidFill>
                   <a:schemeClr val="tx1"/>
                 </a:solidFill>
@@ -10185,7 +10185,7 @@
               </a14:hiddenLine>
             </a:ext>
             <a:ext uri="{AF507438-7753-43e0-B8FC-AC1667EBCBE1}">
-              <a14:hiddenEffects xmlns:a14="http://schemas.microsoft.com/office/drawing/2010/main" xmlns="">
+              <a14:hiddenEffects xmlns="" xmlns:a14="http://schemas.microsoft.com/office/drawing/2010/main">
                 <a:effectLst>
                   <a:outerShdw blurRad="63500" dist="38099" dir="2700000" algn="ctr" rotWithShape="0">
                     <a:schemeClr val="bg2">
@@ -11757,7 +11757,7 @@
           </a:xfrm>
           <a:extLst>
             <a:ext uri="{91240B29-F687-4f45-9708-019B960494DF}">
-              <a14:hiddenLine xmlns="" xmlns:a14="http://schemas.microsoft.com/office/drawing/2010/main" w="12700">
+              <a14:hiddenLine xmlns:a14="http://schemas.microsoft.com/office/drawing/2010/main" xmlns="" w="12700">
                 <a:solidFill>
                   <a:schemeClr val="tx1"/>
                 </a:solidFill>
@@ -17989,14 +17989,14 @@
             </a:ln>
             <a:extLst>
               <a:ext uri="{909E8E84-426E-40dd-AFC4-6F175D3DCCD1}">
-                <a14:hiddenFill xmlns="" xmlns:a14="http://schemas.microsoft.com/office/drawing/2010/main">
+                <a14:hiddenFill xmlns:a14="http://schemas.microsoft.com/office/drawing/2010/main" xmlns="">
                   <a:solidFill>
                     <a:srgbClr val="FFFFFF"/>
                   </a:solidFill>
                 </a14:hiddenFill>
               </a:ext>
               <a:ext uri="{91240B29-F687-4f45-9708-019B960494DF}">
-                <a14:hiddenLine xmlns="" xmlns:a14="http://schemas.microsoft.com/office/drawing/2010/main" w="12700">
+                <a14:hiddenLine xmlns:a14="http://schemas.microsoft.com/office/drawing/2010/main" xmlns="" w="12700">
                   <a:solidFill>
                     <a:srgbClr val="000000"/>
                   </a:solidFill>
@@ -18127,14 +18127,14 @@
             </a:ln>
             <a:extLst>
               <a:ext uri="{909E8E84-426E-40dd-AFC4-6F175D3DCCD1}">
-                <a14:hiddenFill xmlns="" xmlns:a14="http://schemas.microsoft.com/office/drawing/2010/main">
+                <a14:hiddenFill xmlns:a14="http://schemas.microsoft.com/office/drawing/2010/main" xmlns="">
                   <a:solidFill>
                     <a:srgbClr val="FFFFFF"/>
                   </a:solidFill>
                 </a14:hiddenFill>
               </a:ext>
               <a:ext uri="{91240B29-F687-4f45-9708-019B960494DF}">
-                <a14:hiddenLine xmlns="" xmlns:a14="http://schemas.microsoft.com/office/drawing/2010/main" w="9525">
+                <a14:hiddenLine xmlns:a14="http://schemas.microsoft.com/office/drawing/2010/main" xmlns="" w="9525">
                   <a:solidFill>
                     <a:srgbClr val="000000"/>
                   </a:solidFill>
@@ -18391,12 +18391,12 @@
             <a:effectLst/>
             <a:extLst>
               <a:ext uri="{909E8E84-426E-40dd-AFC4-6F175D3DCCD1}">
-                <a14:hiddenFill xmlns="" xmlns:a14="http://schemas.microsoft.com/office/drawing/2010/main">
+                <a14:hiddenFill xmlns:a14="http://schemas.microsoft.com/office/drawing/2010/main" xmlns="">
                   <a:noFill/>
                 </a14:hiddenFill>
               </a:ext>
               <a:ext uri="{AF507438-7753-43e0-B8FC-AC1667EBCBE1}">
-                <a14:hiddenEffects xmlns="" xmlns:a14="http://schemas.microsoft.com/office/drawing/2010/main">
+                <a14:hiddenEffects xmlns:a14="http://schemas.microsoft.com/office/drawing/2010/main" xmlns="">
                   <a:effectLst>
                     <a:outerShdw blurRad="63500" dist="38099" dir="2700000" algn="ctr" rotWithShape="0">
                       <a:srgbClr val="000000">
@@ -18444,12 +18444,12 @@
             <a:effectLst/>
             <a:extLst>
               <a:ext uri="{909E8E84-426E-40dd-AFC4-6F175D3DCCD1}">
-                <a14:hiddenFill xmlns="" xmlns:a14="http://schemas.microsoft.com/office/drawing/2010/main">
+                <a14:hiddenFill xmlns:a14="http://schemas.microsoft.com/office/drawing/2010/main" xmlns="">
                   <a:noFill/>
                 </a14:hiddenFill>
               </a:ext>
               <a:ext uri="{AF507438-7753-43e0-B8FC-AC1667EBCBE1}">
-                <a14:hiddenEffects xmlns="" xmlns:a14="http://schemas.microsoft.com/office/drawing/2010/main">
+                <a14:hiddenEffects xmlns:a14="http://schemas.microsoft.com/office/drawing/2010/main" xmlns="">
                   <a:effectLst>
                     <a:outerShdw blurRad="63500" dist="38099" dir="2700000" algn="ctr" rotWithShape="0">
                       <a:srgbClr val="000000">
@@ -18497,12 +18497,12 @@
             <a:effectLst/>
             <a:extLst>
               <a:ext uri="{909E8E84-426E-40dd-AFC4-6F175D3DCCD1}">
-                <a14:hiddenFill xmlns="" xmlns:a14="http://schemas.microsoft.com/office/drawing/2010/main">
+                <a14:hiddenFill xmlns:a14="http://schemas.microsoft.com/office/drawing/2010/main" xmlns="">
                   <a:noFill/>
                 </a14:hiddenFill>
               </a:ext>
               <a:ext uri="{AF507438-7753-43e0-B8FC-AC1667EBCBE1}">
-                <a14:hiddenEffects xmlns="" xmlns:a14="http://schemas.microsoft.com/office/drawing/2010/main">
+                <a14:hiddenEffects xmlns:a14="http://schemas.microsoft.com/office/drawing/2010/main" xmlns="">
                   <a:effectLst>
                     <a:outerShdw blurRad="63500" dist="38099" dir="2700000" algn="ctr" rotWithShape="0">
                       <a:srgbClr val="000000">
@@ -18550,12 +18550,12 @@
             <a:effectLst/>
             <a:extLst>
               <a:ext uri="{909E8E84-426E-40dd-AFC4-6F175D3DCCD1}">
-                <a14:hiddenFill xmlns="" xmlns:a14="http://schemas.microsoft.com/office/drawing/2010/main">
+                <a14:hiddenFill xmlns:a14="http://schemas.microsoft.com/office/drawing/2010/main" xmlns="">
                   <a:noFill/>
                 </a14:hiddenFill>
               </a:ext>
               <a:ext uri="{AF507438-7753-43e0-B8FC-AC1667EBCBE1}">
-                <a14:hiddenEffects xmlns="" xmlns:a14="http://schemas.microsoft.com/office/drawing/2010/main">
+                <a14:hiddenEffects xmlns:a14="http://schemas.microsoft.com/office/drawing/2010/main" xmlns="">
                   <a:effectLst>
                     <a:outerShdw blurRad="63500" dist="38099" dir="2700000" algn="ctr" rotWithShape="0">
                       <a:srgbClr val="000000">
@@ -18640,12 +18640,12 @@
             <a:effectLst/>
             <a:extLst>
               <a:ext uri="{909E8E84-426E-40dd-AFC4-6F175D3DCCD1}">
-                <a14:hiddenFill xmlns="" xmlns:a14="http://schemas.microsoft.com/office/drawing/2010/main">
+                <a14:hiddenFill xmlns:a14="http://schemas.microsoft.com/office/drawing/2010/main" xmlns="">
                   <a:noFill/>
                 </a14:hiddenFill>
               </a:ext>
               <a:ext uri="{91240B29-F687-4f45-9708-019B960494DF}">
-                <a14:hiddenLine xmlns="" xmlns:a14="http://schemas.microsoft.com/office/drawing/2010/main" w="9525">
+                <a14:hiddenLine xmlns:a14="http://schemas.microsoft.com/office/drawing/2010/main" xmlns="" w="9525">
                   <a:solidFill>
                     <a:srgbClr val="000000"/>
                   </a:solidFill>
@@ -18655,7 +18655,7 @@
                 </a14:hiddenLine>
               </a:ext>
               <a:ext uri="{AF507438-7753-43e0-B8FC-AC1667EBCBE1}">
-                <a14:hiddenEffects xmlns="" xmlns:a14="http://schemas.microsoft.com/office/drawing/2010/main">
+                <a14:hiddenEffects xmlns:a14="http://schemas.microsoft.com/office/drawing/2010/main" xmlns="">
                   <a:effectLst>
                     <a:outerShdw blurRad="63500" dist="38099" dir="2700000" algn="ctr" rotWithShape="0">
                       <a:srgbClr val="000000">
@@ -18703,12 +18703,12 @@
             <a:effectLst/>
             <a:extLst>
               <a:ext uri="{909E8E84-426E-40dd-AFC4-6F175D3DCCD1}">
-                <a14:hiddenFill xmlns="" xmlns:a14="http://schemas.microsoft.com/office/drawing/2010/main">
+                <a14:hiddenFill xmlns:a14="http://schemas.microsoft.com/office/drawing/2010/main" xmlns="">
                   <a:noFill/>
                 </a14:hiddenFill>
               </a:ext>
               <a:ext uri="{AF507438-7753-43e0-B8FC-AC1667EBCBE1}">
-                <a14:hiddenEffects xmlns="" xmlns:a14="http://schemas.microsoft.com/office/drawing/2010/main">
+                <a14:hiddenEffects xmlns:a14="http://schemas.microsoft.com/office/drawing/2010/main" xmlns="">
                   <a:effectLst>
                     <a:outerShdw blurRad="63500" dist="38099" dir="2700000" algn="ctr" rotWithShape="0">
                       <a:srgbClr val="000000">
@@ -18846,12 +18846,12 @@
             <a:effectLst/>
             <a:extLst>
               <a:ext uri="{909E8E84-426E-40dd-AFC4-6F175D3DCCD1}">
-                <a14:hiddenFill xmlns="" xmlns:a14="http://schemas.microsoft.com/office/drawing/2010/main">
+                <a14:hiddenFill xmlns:a14="http://schemas.microsoft.com/office/drawing/2010/main" xmlns="">
                   <a:noFill/>
                 </a14:hiddenFill>
               </a:ext>
               <a:ext uri="{AF507438-7753-43e0-B8FC-AC1667EBCBE1}">
-                <a14:hiddenEffects xmlns="" xmlns:a14="http://schemas.microsoft.com/office/drawing/2010/main">
+                <a14:hiddenEffects xmlns:a14="http://schemas.microsoft.com/office/drawing/2010/main" xmlns="">
                   <a:effectLst>
                     <a:outerShdw blurRad="63500" dist="38099" dir="2700000" algn="ctr" rotWithShape="0">
                       <a:srgbClr val="000000">
@@ -18899,12 +18899,12 @@
             <a:effectLst/>
             <a:extLst>
               <a:ext uri="{909E8E84-426E-40dd-AFC4-6F175D3DCCD1}">
-                <a14:hiddenFill xmlns="" xmlns:a14="http://schemas.microsoft.com/office/drawing/2010/main">
+                <a14:hiddenFill xmlns:a14="http://schemas.microsoft.com/office/drawing/2010/main" xmlns="">
                   <a:noFill/>
                 </a14:hiddenFill>
               </a:ext>
               <a:ext uri="{AF507438-7753-43e0-B8FC-AC1667EBCBE1}">
-                <a14:hiddenEffects xmlns="" xmlns:a14="http://schemas.microsoft.com/office/drawing/2010/main">
+                <a14:hiddenEffects xmlns:a14="http://schemas.microsoft.com/office/drawing/2010/main" xmlns="">
                   <a:effectLst>
                     <a:outerShdw blurRad="63500" dist="38099" dir="2700000" algn="ctr" rotWithShape="0">
                       <a:srgbClr val="000000">
@@ -18947,14 +18947,14 @@
             <a:effectLst/>
             <a:extLst>
               <a:ext uri="{909E8E84-426E-40dd-AFC4-6F175D3DCCD1}">
-                <a14:hiddenFill xmlns="" xmlns:a14="http://schemas.microsoft.com/office/drawing/2010/main">
+                <a14:hiddenFill xmlns:a14="http://schemas.microsoft.com/office/drawing/2010/main" xmlns="">
                   <a:solidFill>
                     <a:srgbClr val="FFFFFF"/>
                   </a:solidFill>
                 </a14:hiddenFill>
               </a:ext>
               <a:ext uri="{91240B29-F687-4f45-9708-019B960494DF}">
-                <a14:hiddenLine xmlns="" xmlns:a14="http://schemas.microsoft.com/office/drawing/2010/main" w="9525">
+                <a14:hiddenLine xmlns:a14="http://schemas.microsoft.com/office/drawing/2010/main" xmlns="" w="9525">
                   <a:solidFill>
                     <a:srgbClr val="000000"/>
                   </a:solidFill>
@@ -18964,7 +18964,7 @@
                 </a14:hiddenLine>
               </a:ext>
               <a:ext uri="{AF507438-7753-43e0-B8FC-AC1667EBCBE1}">
-                <a14:hiddenEffects xmlns="" xmlns:a14="http://schemas.microsoft.com/office/drawing/2010/main">
+                <a14:hiddenEffects xmlns:a14="http://schemas.microsoft.com/office/drawing/2010/main" xmlns="">
                   <a:effectLst>
                     <a:outerShdw blurRad="63500" dist="38099" dir="2700000" algn="ctr" rotWithShape="0">
                       <a:srgbClr val="000000">
@@ -19013,14 +19013,14 @@
             <a:effectLst/>
             <a:extLst>
               <a:ext uri="{909E8E84-426E-40dd-AFC4-6F175D3DCCD1}">
-                <a14:hiddenFill xmlns="" xmlns:a14="http://schemas.microsoft.com/office/drawing/2010/main">
+                <a14:hiddenFill xmlns:a14="http://schemas.microsoft.com/office/drawing/2010/main" xmlns="">
                   <a:solidFill>
                     <a:srgbClr val="FFFFFF"/>
                   </a:solidFill>
                 </a14:hiddenFill>
               </a:ext>
               <a:ext uri="{91240B29-F687-4f45-9708-019B960494DF}">
-                <a14:hiddenLine xmlns="" xmlns:a14="http://schemas.microsoft.com/office/drawing/2010/main" w="9525">
+                <a14:hiddenLine xmlns:a14="http://schemas.microsoft.com/office/drawing/2010/main" xmlns="" w="9525">
                   <a:solidFill>
                     <a:srgbClr val="000000"/>
                   </a:solidFill>
@@ -19030,7 +19030,7 @@
                 </a14:hiddenLine>
               </a:ext>
               <a:ext uri="{AF507438-7753-43e0-B8FC-AC1667EBCBE1}">
-                <a14:hiddenEffects xmlns="" xmlns:a14="http://schemas.microsoft.com/office/drawing/2010/main">
+                <a14:hiddenEffects xmlns:a14="http://schemas.microsoft.com/office/drawing/2010/main" xmlns="">
                   <a:effectLst>
                     <a:outerShdw blurRad="63500" dist="38099" dir="2700000" algn="ctr" rotWithShape="0">
                       <a:srgbClr val="000000">
@@ -19084,12 +19084,12 @@
             <a:effectLst/>
             <a:extLst>
               <a:ext uri="{909E8E84-426E-40dd-AFC4-6F175D3DCCD1}">
-                <a14:hiddenFill xmlns="" xmlns:a14="http://schemas.microsoft.com/office/drawing/2010/main">
+                <a14:hiddenFill xmlns:a14="http://schemas.microsoft.com/office/drawing/2010/main" xmlns="">
                   <a:noFill/>
                 </a14:hiddenFill>
               </a:ext>
               <a:ext uri="{AF507438-7753-43e0-B8FC-AC1667EBCBE1}">
-                <a14:hiddenEffects xmlns="" xmlns:a14="http://schemas.microsoft.com/office/drawing/2010/main">
+                <a14:hiddenEffects xmlns:a14="http://schemas.microsoft.com/office/drawing/2010/main" xmlns="">
                   <a:effectLst>
                     <a:outerShdw blurRad="63500" dist="38099" dir="2700000" algn="ctr" rotWithShape="0">
                       <a:srgbClr val="000000">
@@ -19137,12 +19137,12 @@
             <a:effectLst/>
             <a:extLst>
               <a:ext uri="{909E8E84-426E-40dd-AFC4-6F175D3DCCD1}">
-                <a14:hiddenFill xmlns="" xmlns:a14="http://schemas.microsoft.com/office/drawing/2010/main">
+                <a14:hiddenFill xmlns:a14="http://schemas.microsoft.com/office/drawing/2010/main" xmlns="">
                   <a:noFill/>
                 </a14:hiddenFill>
               </a:ext>
               <a:ext uri="{AF507438-7753-43e0-B8FC-AC1667EBCBE1}">
-                <a14:hiddenEffects xmlns="" xmlns:a14="http://schemas.microsoft.com/office/drawing/2010/main">
+                <a14:hiddenEffects xmlns:a14="http://schemas.microsoft.com/office/drawing/2010/main" xmlns="">
                   <a:effectLst>
                     <a:outerShdw blurRad="63500" dist="38099" dir="2700000" algn="ctr" rotWithShape="0">
                       <a:srgbClr val="000000">
@@ -19274,12 +19274,12 @@
             <a:effectLst/>
             <a:extLst>
               <a:ext uri="{909E8E84-426E-40dd-AFC4-6F175D3DCCD1}">
-                <a14:hiddenFill xmlns="" xmlns:a14="http://schemas.microsoft.com/office/drawing/2010/main">
+                <a14:hiddenFill xmlns:a14="http://schemas.microsoft.com/office/drawing/2010/main" xmlns="">
                   <a:noFill/>
                 </a14:hiddenFill>
               </a:ext>
               <a:ext uri="{AF507438-7753-43e0-B8FC-AC1667EBCBE1}">
-                <a14:hiddenEffects xmlns="" xmlns:a14="http://schemas.microsoft.com/office/drawing/2010/main">
+                <a14:hiddenEffects xmlns:a14="http://schemas.microsoft.com/office/drawing/2010/main" xmlns="">
                   <a:effectLst>
                     <a:outerShdw blurRad="63500" dist="38099" dir="2700000" algn="ctr" rotWithShape="0">
                       <a:srgbClr val="000000">
@@ -19369,12 +19369,12 @@
             <a:effectLst/>
             <a:extLst>
               <a:ext uri="{909E8E84-426E-40dd-AFC4-6F175D3DCCD1}">
-                <a14:hiddenFill xmlns="" xmlns:a14="http://schemas.microsoft.com/office/drawing/2010/main">
+                <a14:hiddenFill xmlns:a14="http://schemas.microsoft.com/office/drawing/2010/main" xmlns="">
                   <a:noFill/>
                 </a14:hiddenFill>
               </a:ext>
               <a:ext uri="{AF507438-7753-43e0-B8FC-AC1667EBCBE1}">
-                <a14:hiddenEffects xmlns="" xmlns:a14="http://schemas.microsoft.com/office/drawing/2010/main">
+                <a14:hiddenEffects xmlns:a14="http://schemas.microsoft.com/office/drawing/2010/main" xmlns="">
                   <a:effectLst>
                     <a:outerShdw blurRad="63500" dist="38099" dir="2700000" algn="ctr" rotWithShape="0">
                       <a:srgbClr val="000000">
@@ -20285,14 +20285,14 @@
                       </a:ln>
                       <a:extLst>
                         <a:ext uri="{909E8E84-426E-40dd-AFC4-6F175D3DCCD1}">
-                          <a14:hiddenFill xmlns="" xmlns:a14="http://schemas.microsoft.com/office/drawing/2010/main">
+                          <a14:hiddenFill xmlns:a14="http://schemas.microsoft.com/office/drawing/2010/main" xmlns="">
                             <a:solidFill>
                               <a:schemeClr val="accent1"/>
                             </a:solidFill>
                           </a14:hiddenFill>
                         </a:ext>
                         <a:ext uri="{91240B29-F687-4f45-9708-019B960494DF}">
-                          <a14:hiddenLine xmlns="" xmlns:a14="http://schemas.microsoft.com/office/drawing/2010/main" w="9525">
+                          <a14:hiddenLine xmlns:a14="http://schemas.microsoft.com/office/drawing/2010/main" xmlns="" w="9525">
                             <a:solidFill>
                               <a:schemeClr val="tx1"/>
                             </a:solidFill>
